--- a/lab practicals.pptx
+++ b/lab practicals.pptx
@@ -8,6 +8,7 @@
     <p:sldId id="256" r:id="rId2"/>
     <p:sldId id="257" r:id="rId3"/>
     <p:sldId id="258" r:id="rId4"/>
+    <p:sldId id="259" r:id="rId5"/>
   </p:sldIdLst>
   <p:sldSz cx="9144000" cy="6858000" type="screen4x3"/>
   <p:notesSz cx="6858000" cy="9144000"/>
@@ -106,6 +107,11 @@
       </a:defRPr>
     </a:lvl9pPr>
   </p:defaultTextStyle>
+  <p:extLst>
+    <p:ext uri="{EFAFB233-063F-42B5-8137-9DF3F51BA10A}">
+      <p15:sldGuideLst xmlns:p15="http://schemas.microsoft.com/office/powerpoint/2012/main"/>
+    </p:ext>
+  </p:extLst>
 </p:presentation>
 </file>
 
@@ -240,7 +246,7 @@
           <a:p>
             <a:fld id="{8B60302E-30E2-D841-94D8-D5B4ABBB1556}" type="datetimeFigureOut">
               <a:rPr lang="en-US" smtClean="0"/>
-              <a:t>8/12/18</a:t>
+              <a:t>8/19/18</a:t>
             </a:fld>
             <a:endParaRPr lang="en-US"/>
           </a:p>
@@ -405,7 +411,7 @@
           <a:p>
             <a:fld id="{8B60302E-30E2-D841-94D8-D5B4ABBB1556}" type="datetimeFigureOut">
               <a:rPr lang="en-US" smtClean="0"/>
-              <a:t>8/12/18</a:t>
+              <a:t>8/19/18</a:t>
             </a:fld>
             <a:endParaRPr lang="en-US"/>
           </a:p>
@@ -580,7 +586,7 @@
           <a:p>
             <a:fld id="{8B60302E-30E2-D841-94D8-D5B4ABBB1556}" type="datetimeFigureOut">
               <a:rPr lang="en-US" smtClean="0"/>
-              <a:t>8/12/18</a:t>
+              <a:t>8/19/18</a:t>
             </a:fld>
             <a:endParaRPr lang="en-US"/>
           </a:p>
@@ -745,7 +751,7 @@
           <a:p>
             <a:fld id="{8B60302E-30E2-D841-94D8-D5B4ABBB1556}" type="datetimeFigureOut">
               <a:rPr lang="en-US" smtClean="0"/>
-              <a:t>8/12/18</a:t>
+              <a:t>8/19/18</a:t>
             </a:fld>
             <a:endParaRPr lang="en-US"/>
           </a:p>
@@ -984,7 +990,7 @@
           <a:p>
             <a:fld id="{8B60302E-30E2-D841-94D8-D5B4ABBB1556}" type="datetimeFigureOut">
               <a:rPr lang="en-US" smtClean="0"/>
-              <a:t>8/12/18</a:t>
+              <a:t>8/19/18</a:t>
             </a:fld>
             <a:endParaRPr lang="en-US"/>
           </a:p>
@@ -1211,7 +1217,7 @@
           <a:p>
             <a:fld id="{8B60302E-30E2-D841-94D8-D5B4ABBB1556}" type="datetimeFigureOut">
               <a:rPr lang="en-US" smtClean="0"/>
-              <a:t>8/12/18</a:t>
+              <a:t>8/19/18</a:t>
             </a:fld>
             <a:endParaRPr lang="en-US"/>
           </a:p>
@@ -1573,7 +1579,7 @@
           <a:p>
             <a:fld id="{8B60302E-30E2-D841-94D8-D5B4ABBB1556}" type="datetimeFigureOut">
               <a:rPr lang="en-US" smtClean="0"/>
-              <a:t>8/12/18</a:t>
+              <a:t>8/19/18</a:t>
             </a:fld>
             <a:endParaRPr lang="en-US"/>
           </a:p>
@@ -1686,7 +1692,7 @@
           <a:p>
             <a:fld id="{8B60302E-30E2-D841-94D8-D5B4ABBB1556}" type="datetimeFigureOut">
               <a:rPr lang="en-US" smtClean="0"/>
-              <a:t>8/12/18</a:t>
+              <a:t>8/19/18</a:t>
             </a:fld>
             <a:endParaRPr lang="en-US"/>
           </a:p>
@@ -1776,7 +1782,7 @@
           <a:p>
             <a:fld id="{8B60302E-30E2-D841-94D8-D5B4ABBB1556}" type="datetimeFigureOut">
               <a:rPr lang="en-US" smtClean="0"/>
-              <a:t>8/12/18</a:t>
+              <a:t>8/19/18</a:t>
             </a:fld>
             <a:endParaRPr lang="en-US"/>
           </a:p>
@@ -2048,7 +2054,7 @@
           <a:p>
             <a:fld id="{8B60302E-30E2-D841-94D8-D5B4ABBB1556}" type="datetimeFigureOut">
               <a:rPr lang="en-US" smtClean="0"/>
-              <a:t>8/12/18</a:t>
+              <a:t>8/19/18</a:t>
             </a:fld>
             <a:endParaRPr lang="en-US"/>
           </a:p>
@@ -2300,7 +2306,7 @@
           <a:p>
             <a:fld id="{8B60302E-30E2-D841-94D8-D5B4ABBB1556}" type="datetimeFigureOut">
               <a:rPr lang="en-US" smtClean="0"/>
-              <a:t>8/12/18</a:t>
+              <a:t>8/19/18</a:t>
             </a:fld>
             <a:endParaRPr lang="en-US"/>
           </a:p>
@@ -2508,7 +2514,7 @@
           <a:p>
             <a:fld id="{8B60302E-30E2-D841-94D8-D5B4ABBB1556}" type="datetimeFigureOut">
               <a:rPr lang="en-US" smtClean="0"/>
-              <a:t>8/12/18</a:t>
+              <a:t>8/19/18</a:t>
             </a:fld>
             <a:endParaRPr lang="en-US"/>
           </a:p>
@@ -3996,6 +4002,197 @@
 </p:sld>
 </file>
 
+<file path=ppt/slides/slide4.xml><?xml version="1.0" encoding="utf-8"?>
+<p:sld xmlns:a="http://schemas.openxmlformats.org/drawingml/2006/main" xmlns:r="http://schemas.openxmlformats.org/officeDocument/2006/relationships" xmlns:p="http://schemas.openxmlformats.org/presentationml/2006/main">
+  <p:cSld>
+    <p:spTree>
+      <p:nvGrpSpPr>
+        <p:cNvPr id="1" name=""/>
+        <p:cNvGrpSpPr/>
+        <p:nvPr/>
+      </p:nvGrpSpPr>
+      <p:grpSpPr>
+        <a:xfrm>
+          <a:off x="0" y="0"/>
+          <a:ext cx="0" cy="0"/>
+          <a:chOff x="0" y="0"/>
+          <a:chExt cx="0" cy="0"/>
+        </a:xfrm>
+      </p:grpSpPr>
+      <p:sp>
+        <p:nvSpPr>
+          <p:cNvPr id="2" name="Title 1"/>
+          <p:cNvSpPr>
+            <a:spLocks noGrp="1"/>
+          </p:cNvSpPr>
+          <p:nvPr>
+            <p:ph type="title"/>
+          </p:nvPr>
+        </p:nvSpPr>
+        <p:spPr/>
+        <p:txBody>
+          <a:bodyPr/>
+          <a:lstStyle/>
+          <a:p>
+            <a:r>
+              <a:rPr lang="en-US" dirty="0" smtClean="0"/>
+              <a:t>19</a:t>
+            </a:r>
+            <a:r>
+              <a:rPr lang="en-US" baseline="30000" dirty="0" smtClean="0"/>
+              <a:t>th</a:t>
+            </a:r>
+            <a:r>
+              <a:rPr lang="en-US" dirty="0" smtClean="0"/>
+              <a:t> Aug 2018 DSUC Lab Practicals</a:t>
+            </a:r>
+            <a:endParaRPr lang="en-US" dirty="0"/>
+          </a:p>
+        </p:txBody>
+      </p:sp>
+      <p:sp>
+        <p:nvSpPr>
+          <p:cNvPr id="3" name="Content Placeholder 2"/>
+          <p:cNvSpPr>
+            <a:spLocks noGrp="1"/>
+          </p:cNvSpPr>
+          <p:nvPr>
+            <p:ph idx="1"/>
+          </p:nvPr>
+        </p:nvSpPr>
+        <p:spPr/>
+        <p:txBody>
+          <a:bodyPr>
+            <a:normAutofit fontScale="92500"/>
+          </a:bodyPr>
+          <a:lstStyle/>
+          <a:p>
+            <a:pPr marL="514350" indent="-514350" algn="just">
+              <a:buFont typeface="+mj-lt"/>
+              <a:buAutoNum type="arabicPeriod" startAt="9"/>
+            </a:pPr>
+            <a:r>
+              <a:rPr lang="en-US" dirty="0" smtClean="0"/>
+              <a:t>Write a program to represent sparse matrix using compact matrix notation.</a:t>
+            </a:r>
+          </a:p>
+          <a:p>
+            <a:pPr marL="514350" indent="-514350" algn="just">
+              <a:buFont typeface="+mj-lt"/>
+              <a:buAutoNum type="arabicPeriod" startAt="9"/>
+            </a:pPr>
+            <a:r>
+              <a:rPr lang="en-US" dirty="0" smtClean="0"/>
+              <a:t>WAP to verify the formula of address finding of 1D array learnt in class.</a:t>
+            </a:r>
+          </a:p>
+          <a:p>
+            <a:pPr marL="514350" indent="-514350" algn="just">
+              <a:buFont typeface="+mj-lt"/>
+              <a:buAutoNum type="arabicPeriod" startAt="9"/>
+            </a:pPr>
+            <a:r>
+              <a:rPr lang="en-US" dirty="0"/>
+              <a:t>WAP to verify the formula of address finding of </a:t>
+            </a:r>
+            <a:r>
+              <a:rPr lang="en-US" dirty="0" smtClean="0"/>
+              <a:t>2D array/matrix </a:t>
+            </a:r>
+            <a:r>
+              <a:rPr lang="en-US" dirty="0"/>
+              <a:t>learnt in class</a:t>
+            </a:r>
+            <a:r>
+              <a:rPr lang="en-US" dirty="0" smtClean="0"/>
+              <a:t>. </a:t>
+            </a:r>
+            <a:r>
+              <a:rPr lang="en-US" i="1" dirty="0" smtClean="0">
+                <a:solidFill>
+                  <a:schemeClr val="accent1"/>
+                </a:solidFill>
+              </a:rPr>
+              <a:t>(Note: In C programming 2D arrays are stored in </a:t>
+            </a:r>
+            <a:r>
+              <a:rPr lang="en-US" b="1" i="1" dirty="0" smtClean="0">
+                <a:solidFill>
+                  <a:schemeClr val="accent1"/>
+                </a:solidFill>
+              </a:rPr>
+              <a:t>row major </a:t>
+            </a:r>
+            <a:r>
+              <a:rPr lang="en-US" i="1" dirty="0" smtClean="0">
+                <a:solidFill>
+                  <a:schemeClr val="accent1"/>
+                </a:solidFill>
+              </a:rPr>
+              <a:t>form)</a:t>
+            </a:r>
+          </a:p>
+          <a:p>
+            <a:pPr marL="514350" indent="-514350" algn="just">
+              <a:buFont typeface="+mj-lt"/>
+              <a:buAutoNum type="arabicPeriod" startAt="9"/>
+            </a:pPr>
+            <a:endParaRPr lang="en-US" dirty="0" smtClean="0"/>
+          </a:p>
+          <a:p>
+            <a:pPr marL="0" indent="0" algn="just">
+              <a:buNone/>
+            </a:pPr>
+            <a:r>
+              <a:rPr lang="en-US" b="1" dirty="0" smtClean="0">
+                <a:solidFill>
+                  <a:schemeClr val="accent6">
+                    <a:lumMod val="75000"/>
+                  </a:schemeClr>
+                </a:solidFill>
+              </a:rPr>
+              <a:t>Hint</a:t>
+            </a:r>
+            <a:r>
+              <a:rPr lang="en-US" dirty="0" smtClean="0">
+                <a:solidFill>
+                  <a:schemeClr val="accent6">
+                    <a:lumMod val="75000"/>
+                  </a:schemeClr>
+                </a:solidFill>
+              </a:rPr>
+              <a:t>: for practical 10 and 11 use </a:t>
+            </a:r>
+            <a:r>
+              <a:rPr lang="en-US" b="1" dirty="0" smtClean="0"/>
+              <a:t>%u</a:t>
+            </a:r>
+            <a:r>
+              <a:rPr lang="en-US" dirty="0" smtClean="0">
+                <a:solidFill>
+                  <a:schemeClr val="accent6">
+                    <a:lumMod val="75000"/>
+                  </a:schemeClr>
+                </a:solidFill>
+              </a:rPr>
+              <a:t> format specifier to display address of an element of array</a:t>
+            </a:r>
+          </a:p>
+        </p:txBody>
+      </p:sp>
+    </p:spTree>
+    <p:extLst>
+      <p:ext uri="{BB962C8B-B14F-4D97-AF65-F5344CB8AC3E}">
+        <p14:creationId xmlns:p14="http://schemas.microsoft.com/office/powerpoint/2010/main" val="507815758"/>
+      </p:ext>
+    </p:extLst>
+  </p:cSld>
+  <p:clrMapOvr>
+    <a:masterClrMapping/>
+  </p:clrMapOvr>
+</p:sld>
+</file>
+
 <file path=ppt/theme/theme1.xml><?xml version="1.0" encoding="utf-8"?>
 <a:theme xmlns:a="http://schemas.openxmlformats.org/drawingml/2006/main" name="Office Theme">
   <a:themeElements>

--- a/lab practicals.pptx
+++ b/lab practicals.pptx
@@ -9,6 +9,9 @@
     <p:sldId id="257" r:id="rId3"/>
     <p:sldId id="258" r:id="rId4"/>
     <p:sldId id="259" r:id="rId5"/>
+    <p:sldId id="260" r:id="rId6"/>
+    <p:sldId id="262" r:id="rId7"/>
+    <p:sldId id="261" r:id="rId8"/>
   </p:sldIdLst>
   <p:sldSz cx="9144000" cy="6858000" type="screen4x3"/>
   <p:notesSz cx="6858000" cy="9144000"/>
@@ -246,7 +249,7 @@
           <a:p>
             <a:fld id="{8B60302E-30E2-D841-94D8-D5B4ABBB1556}" type="datetimeFigureOut">
               <a:rPr lang="en-US" smtClean="0"/>
-              <a:t>8/19/18</a:t>
+              <a:t>9/17/18</a:t>
             </a:fld>
             <a:endParaRPr lang="en-US"/>
           </a:p>
@@ -411,7 +414,7 @@
           <a:p>
             <a:fld id="{8B60302E-30E2-D841-94D8-D5B4ABBB1556}" type="datetimeFigureOut">
               <a:rPr lang="en-US" smtClean="0"/>
-              <a:t>8/19/18</a:t>
+              <a:t>9/17/18</a:t>
             </a:fld>
             <a:endParaRPr lang="en-US"/>
           </a:p>
@@ -586,7 +589,7 @@
           <a:p>
             <a:fld id="{8B60302E-30E2-D841-94D8-D5B4ABBB1556}" type="datetimeFigureOut">
               <a:rPr lang="en-US" smtClean="0"/>
-              <a:t>8/19/18</a:t>
+              <a:t>9/17/18</a:t>
             </a:fld>
             <a:endParaRPr lang="en-US"/>
           </a:p>
@@ -751,7 +754,7 @@
           <a:p>
             <a:fld id="{8B60302E-30E2-D841-94D8-D5B4ABBB1556}" type="datetimeFigureOut">
               <a:rPr lang="en-US" smtClean="0"/>
-              <a:t>8/19/18</a:t>
+              <a:t>9/17/18</a:t>
             </a:fld>
             <a:endParaRPr lang="en-US"/>
           </a:p>
@@ -990,7 +993,7 @@
           <a:p>
             <a:fld id="{8B60302E-30E2-D841-94D8-D5B4ABBB1556}" type="datetimeFigureOut">
               <a:rPr lang="en-US" smtClean="0"/>
-              <a:t>8/19/18</a:t>
+              <a:t>9/17/18</a:t>
             </a:fld>
             <a:endParaRPr lang="en-US"/>
           </a:p>
@@ -1217,7 +1220,7 @@
           <a:p>
             <a:fld id="{8B60302E-30E2-D841-94D8-D5B4ABBB1556}" type="datetimeFigureOut">
               <a:rPr lang="en-US" smtClean="0"/>
-              <a:t>8/19/18</a:t>
+              <a:t>9/17/18</a:t>
             </a:fld>
             <a:endParaRPr lang="en-US"/>
           </a:p>
@@ -1579,7 +1582,7 @@
           <a:p>
             <a:fld id="{8B60302E-30E2-D841-94D8-D5B4ABBB1556}" type="datetimeFigureOut">
               <a:rPr lang="en-US" smtClean="0"/>
-              <a:t>8/19/18</a:t>
+              <a:t>9/17/18</a:t>
             </a:fld>
             <a:endParaRPr lang="en-US"/>
           </a:p>
@@ -1692,7 +1695,7 @@
           <a:p>
             <a:fld id="{8B60302E-30E2-D841-94D8-D5B4ABBB1556}" type="datetimeFigureOut">
               <a:rPr lang="en-US" smtClean="0"/>
-              <a:t>8/19/18</a:t>
+              <a:t>9/17/18</a:t>
             </a:fld>
             <a:endParaRPr lang="en-US"/>
           </a:p>
@@ -1782,7 +1785,7 @@
           <a:p>
             <a:fld id="{8B60302E-30E2-D841-94D8-D5B4ABBB1556}" type="datetimeFigureOut">
               <a:rPr lang="en-US" smtClean="0"/>
-              <a:t>8/19/18</a:t>
+              <a:t>9/17/18</a:t>
             </a:fld>
             <a:endParaRPr lang="en-US"/>
           </a:p>
@@ -2054,7 +2057,7 @@
           <a:p>
             <a:fld id="{8B60302E-30E2-D841-94D8-D5B4ABBB1556}" type="datetimeFigureOut">
               <a:rPr lang="en-US" smtClean="0"/>
-              <a:t>8/19/18</a:t>
+              <a:t>9/17/18</a:t>
             </a:fld>
             <a:endParaRPr lang="en-US"/>
           </a:p>
@@ -2306,7 +2309,7 @@
           <a:p>
             <a:fld id="{8B60302E-30E2-D841-94D8-D5B4ABBB1556}" type="datetimeFigureOut">
               <a:rPr lang="en-US" smtClean="0"/>
-              <a:t>8/19/18</a:t>
+              <a:t>9/17/18</a:t>
             </a:fld>
             <a:endParaRPr lang="en-US"/>
           </a:p>
@@ -2514,7 +2517,7 @@
           <a:p>
             <a:fld id="{8B60302E-30E2-D841-94D8-D5B4ABBB1556}" type="datetimeFigureOut">
               <a:rPr lang="en-US" smtClean="0"/>
-              <a:t>8/19/18</a:t>
+              <a:t>9/17/18</a:t>
             </a:fld>
             <a:endParaRPr lang="en-US"/>
           </a:p>
@@ -4193,6 +4196,418 @@
 </p:sld>
 </file>
 
+<file path=ppt/slides/slide5.xml><?xml version="1.0" encoding="utf-8"?>
+<p:sld xmlns:a="http://schemas.openxmlformats.org/drawingml/2006/main" xmlns:r="http://schemas.openxmlformats.org/officeDocument/2006/relationships" xmlns:p="http://schemas.openxmlformats.org/presentationml/2006/main">
+  <p:cSld>
+    <p:spTree>
+      <p:nvGrpSpPr>
+        <p:cNvPr id="1" name=""/>
+        <p:cNvGrpSpPr/>
+        <p:nvPr/>
+      </p:nvGrpSpPr>
+      <p:grpSpPr>
+        <a:xfrm>
+          <a:off x="0" y="0"/>
+          <a:ext cx="0" cy="0"/>
+          <a:chOff x="0" y="0"/>
+          <a:chExt cx="0" cy="0"/>
+        </a:xfrm>
+      </p:grpSpPr>
+      <p:sp>
+        <p:nvSpPr>
+          <p:cNvPr id="2" name="Title 1"/>
+          <p:cNvSpPr>
+            <a:spLocks noGrp="1"/>
+          </p:cNvSpPr>
+          <p:nvPr>
+            <p:ph type="title"/>
+          </p:nvPr>
+        </p:nvSpPr>
+        <p:spPr/>
+        <p:txBody>
+          <a:bodyPr/>
+          <a:lstStyle/>
+          <a:p>
+            <a:r>
+              <a:rPr lang="en-US" dirty="0" smtClean="0"/>
+              <a:t>27</a:t>
+            </a:r>
+            <a:r>
+              <a:rPr lang="en-US" baseline="30000" dirty="0" smtClean="0"/>
+              <a:t>th</a:t>
+            </a:r>
+            <a:r>
+              <a:rPr lang="en-US" dirty="0" smtClean="0"/>
+              <a:t> Aug 2018 DSUC Lab Practicals</a:t>
+            </a:r>
+            <a:endParaRPr lang="en-US" dirty="0"/>
+          </a:p>
+        </p:txBody>
+      </p:sp>
+      <p:sp>
+        <p:nvSpPr>
+          <p:cNvPr id="3" name="Content Placeholder 2"/>
+          <p:cNvSpPr>
+            <a:spLocks noGrp="1"/>
+          </p:cNvSpPr>
+          <p:nvPr>
+            <p:ph idx="1"/>
+          </p:nvPr>
+        </p:nvSpPr>
+        <p:spPr/>
+        <p:txBody>
+          <a:bodyPr/>
+          <a:lstStyle/>
+          <a:p>
+            <a:pPr marL="514350" indent="-514350" algn="just">
+              <a:buFont typeface="+mj-lt"/>
+              <a:buAutoNum type="arabicPeriod" startAt="12"/>
+            </a:pPr>
+            <a:r>
+              <a:rPr lang="en-US" dirty="0" smtClean="0"/>
+              <a:t>WAP to create a singly linked list and insert elements at the beginning. Display the list.</a:t>
+            </a:r>
+          </a:p>
+          <a:p>
+            <a:pPr marL="514350" indent="-514350" algn="just">
+              <a:buFont typeface="+mj-lt"/>
+              <a:buAutoNum type="arabicPeriod" startAt="12"/>
+            </a:pPr>
+            <a:r>
+              <a:rPr lang="en-US" dirty="0"/>
+              <a:t>WAP to create a singly linked list and insert elements at the </a:t>
+            </a:r>
+            <a:r>
+              <a:rPr lang="en-US" dirty="0" smtClean="0"/>
+              <a:t>end. </a:t>
+            </a:r>
+            <a:r>
+              <a:rPr lang="en-US" dirty="0"/>
+              <a:t>Display the list.</a:t>
+            </a:r>
+          </a:p>
+          <a:p>
+            <a:pPr marL="514350" indent="-514350" algn="just">
+              <a:buFont typeface="+mj-lt"/>
+              <a:buAutoNum type="arabicPeriod" startAt="12"/>
+            </a:pPr>
+            <a:r>
+              <a:rPr lang="en-US" dirty="0"/>
+              <a:t>WAP to create a singly linked list and insert elements at </a:t>
+            </a:r>
+            <a:r>
+              <a:rPr lang="en-US" dirty="0" smtClean="0"/>
+              <a:t>a given position. </a:t>
+            </a:r>
+            <a:r>
+              <a:rPr lang="en-US" dirty="0"/>
+              <a:t>Display the list.</a:t>
+            </a:r>
+          </a:p>
+          <a:p>
+            <a:pPr marL="514350" indent="-514350" algn="just">
+              <a:buFont typeface="+mj-lt"/>
+              <a:buAutoNum type="arabicPeriod" startAt="12"/>
+            </a:pPr>
+            <a:endParaRPr lang="en-US" dirty="0"/>
+          </a:p>
+        </p:txBody>
+      </p:sp>
+    </p:spTree>
+    <p:extLst>
+      <p:ext uri="{BB962C8B-B14F-4D97-AF65-F5344CB8AC3E}">
+        <p14:creationId xmlns:p14="http://schemas.microsoft.com/office/powerpoint/2010/main" val="1766004791"/>
+      </p:ext>
+    </p:extLst>
+  </p:cSld>
+  <p:clrMapOvr>
+    <a:masterClrMapping/>
+  </p:clrMapOvr>
+</p:sld>
+</file>
+
+<file path=ppt/slides/slide6.xml><?xml version="1.0" encoding="utf-8"?>
+<p:sld xmlns:a="http://schemas.openxmlformats.org/drawingml/2006/main" xmlns:r="http://schemas.openxmlformats.org/officeDocument/2006/relationships" xmlns:p="http://schemas.openxmlformats.org/presentationml/2006/main">
+  <p:cSld>
+    <p:spTree>
+      <p:nvGrpSpPr>
+        <p:cNvPr id="1" name=""/>
+        <p:cNvGrpSpPr/>
+        <p:nvPr/>
+      </p:nvGrpSpPr>
+      <p:grpSpPr>
+        <a:xfrm>
+          <a:off x="0" y="0"/>
+          <a:ext cx="0" cy="0"/>
+          <a:chOff x="0" y="0"/>
+          <a:chExt cx="0" cy="0"/>
+        </a:xfrm>
+      </p:grpSpPr>
+      <p:sp>
+        <p:nvSpPr>
+          <p:cNvPr id="2" name="Title 1"/>
+          <p:cNvSpPr>
+            <a:spLocks noGrp="1"/>
+          </p:cNvSpPr>
+          <p:nvPr>
+            <p:ph type="title"/>
+          </p:nvPr>
+        </p:nvSpPr>
+        <p:spPr/>
+        <p:txBody>
+          <a:bodyPr/>
+          <a:lstStyle/>
+          <a:p>
+            <a:r>
+              <a:rPr lang="en-US" dirty="0"/>
+              <a:t>1</a:t>
+            </a:r>
+            <a:r>
+              <a:rPr lang="en-US" dirty="0" smtClean="0"/>
+              <a:t>7</a:t>
+            </a:r>
+            <a:r>
+              <a:rPr lang="en-US" baseline="30000" dirty="0" smtClean="0"/>
+              <a:t>th</a:t>
+            </a:r>
+            <a:r>
+              <a:rPr lang="en-US" dirty="0" smtClean="0"/>
+              <a:t> Sep 2018 </a:t>
+            </a:r>
+            <a:r>
+              <a:rPr lang="en-US" dirty="0" smtClean="0"/>
+              <a:t>DSUC Lab Practicals</a:t>
+            </a:r>
+            <a:endParaRPr lang="en-US" dirty="0"/>
+          </a:p>
+        </p:txBody>
+      </p:sp>
+      <p:sp>
+        <p:nvSpPr>
+          <p:cNvPr id="3" name="Content Placeholder 2"/>
+          <p:cNvSpPr>
+            <a:spLocks noGrp="1"/>
+          </p:cNvSpPr>
+          <p:nvPr>
+            <p:ph idx="1"/>
+          </p:nvPr>
+        </p:nvSpPr>
+        <p:spPr>
+          <a:xfrm>
+            <a:off x="628650" y="1825624"/>
+            <a:ext cx="7886700" cy="4738461"/>
+          </a:xfrm>
+        </p:spPr>
+        <p:txBody>
+          <a:bodyPr>
+            <a:normAutofit lnSpcReduction="10000"/>
+          </a:bodyPr>
+          <a:lstStyle/>
+          <a:p>
+            <a:pPr marL="514350" indent="-514350" algn="just">
+              <a:buFont typeface="+mj-lt"/>
+              <a:buAutoNum type="arabicPeriod" startAt="15"/>
+            </a:pPr>
+            <a:r>
+              <a:rPr lang="en-US" dirty="0" smtClean="0"/>
+              <a:t>WAP to perform following operations on </a:t>
+            </a:r>
+            <a:r>
+              <a:rPr lang="en-US" b="1" dirty="0" smtClean="0"/>
+              <a:t>singly linked list</a:t>
+            </a:r>
+            <a:r>
+              <a:rPr lang="en-US" dirty="0" smtClean="0"/>
+              <a:t>:</a:t>
+            </a:r>
+          </a:p>
+          <a:p>
+            <a:pPr marL="971550" lvl="1" indent="-514350" algn="just">
+              <a:buFont typeface="+mj-lt"/>
+              <a:buAutoNum type="alphaLcPeriod"/>
+            </a:pPr>
+            <a:r>
+              <a:rPr lang="en-US" dirty="0" smtClean="0"/>
+              <a:t>Insertion at beginning</a:t>
+            </a:r>
+          </a:p>
+          <a:p>
+            <a:pPr marL="971550" lvl="1" indent="-514350" algn="just">
+              <a:buFont typeface="+mj-lt"/>
+              <a:buAutoNum type="alphaLcPeriod"/>
+            </a:pPr>
+            <a:r>
+              <a:rPr lang="en-US" dirty="0" smtClean="0"/>
+              <a:t>Insertion at end</a:t>
+            </a:r>
+          </a:p>
+          <a:p>
+            <a:pPr marL="971550" lvl="1" indent="-514350" algn="just">
+              <a:buFont typeface="+mj-lt"/>
+              <a:buAutoNum type="alphaLcPeriod"/>
+            </a:pPr>
+            <a:r>
+              <a:rPr lang="en-US" dirty="0" smtClean="0"/>
+              <a:t>Insertion at given position</a:t>
+            </a:r>
+          </a:p>
+          <a:p>
+            <a:pPr marL="971550" lvl="1" indent="-514350" algn="just">
+              <a:buFont typeface="+mj-lt"/>
+              <a:buAutoNum type="alphaLcPeriod"/>
+            </a:pPr>
+            <a:r>
+              <a:rPr lang="en-US" dirty="0" smtClean="0"/>
+              <a:t>Deletion at beginning</a:t>
+            </a:r>
+          </a:p>
+          <a:p>
+            <a:pPr marL="971550" lvl="1" indent="-514350" algn="just">
+              <a:buFont typeface="+mj-lt"/>
+              <a:buAutoNum type="alphaLcPeriod"/>
+            </a:pPr>
+            <a:r>
+              <a:rPr lang="en-US" dirty="0" smtClean="0"/>
+              <a:t>Deletion at end</a:t>
+            </a:r>
+          </a:p>
+          <a:p>
+            <a:pPr marL="971550" lvl="1" indent="-514350" algn="just">
+              <a:buFont typeface="+mj-lt"/>
+              <a:buAutoNum type="alphaLcPeriod"/>
+            </a:pPr>
+            <a:r>
+              <a:rPr lang="en-US" dirty="0" smtClean="0"/>
+              <a:t>Deletion at given position</a:t>
+            </a:r>
+          </a:p>
+          <a:p>
+            <a:pPr marL="0" indent="0" algn="just">
+              <a:buNone/>
+            </a:pPr>
+            <a:r>
+              <a:rPr lang="en-US" dirty="0" smtClean="0"/>
+              <a:t>After each operation, display (traverse) the linked list. </a:t>
+            </a:r>
+          </a:p>
+          <a:p>
+            <a:pPr marL="0" indent="0" algn="just">
+              <a:lnSpc>
+                <a:spcPct val="100000"/>
+              </a:lnSpc>
+              <a:buNone/>
+            </a:pPr>
+            <a:r>
+              <a:rPr lang="en-US" sz="2600" b="1" dirty="0">
+                <a:solidFill>
+                  <a:schemeClr val="accent6">
+                    <a:lumMod val="75000"/>
+                  </a:schemeClr>
+                </a:solidFill>
+              </a:rPr>
+              <a:t>Hint: </a:t>
+            </a:r>
+            <a:r>
+              <a:rPr lang="en-US" sz="2600" dirty="0">
+                <a:solidFill>
+                  <a:schemeClr val="accent6">
+                    <a:lumMod val="75000"/>
+                  </a:schemeClr>
+                </a:solidFill>
+              </a:rPr>
+              <a:t>Test your program after performing each operation before coding the next operation</a:t>
+            </a:r>
+          </a:p>
+          <a:p>
+            <a:pPr marL="971550" lvl="1" indent="-514350" algn="just">
+              <a:buFont typeface="+mj-lt"/>
+              <a:buAutoNum type="alphaLcPeriod"/>
+            </a:pPr>
+            <a:endParaRPr lang="en-US" dirty="0"/>
+          </a:p>
+        </p:txBody>
+      </p:sp>
+    </p:spTree>
+    <p:extLst>
+      <p:ext uri="{BB962C8B-B14F-4D97-AF65-F5344CB8AC3E}">
+        <p14:creationId xmlns:p14="http://schemas.microsoft.com/office/powerpoint/2010/main" val="1104206576"/>
+      </p:ext>
+    </p:extLst>
+  </p:cSld>
+  <p:clrMapOvr>
+    <a:masterClrMapping/>
+  </p:clrMapOvr>
+</p:sld>
+</file>
+
+<file path=ppt/slides/slide7.xml><?xml version="1.0" encoding="utf-8"?>
+<p:sld xmlns:a="http://schemas.openxmlformats.org/drawingml/2006/main" xmlns:r="http://schemas.openxmlformats.org/officeDocument/2006/relationships" xmlns:p="http://schemas.openxmlformats.org/presentationml/2006/main">
+  <p:cSld>
+    <p:spTree>
+      <p:nvGrpSpPr>
+        <p:cNvPr id="1" name=""/>
+        <p:cNvGrpSpPr/>
+        <p:nvPr/>
+      </p:nvGrpSpPr>
+      <p:grpSpPr>
+        <a:xfrm>
+          <a:off x="0" y="0"/>
+          <a:ext cx="0" cy="0"/>
+          <a:chOff x="0" y="0"/>
+          <a:chExt cx="0" cy="0"/>
+        </a:xfrm>
+      </p:grpSpPr>
+      <p:sp>
+        <p:nvSpPr>
+          <p:cNvPr id="2" name="Title 1"/>
+          <p:cNvSpPr>
+            <a:spLocks noGrp="1"/>
+          </p:cNvSpPr>
+          <p:nvPr>
+            <p:ph type="title"/>
+          </p:nvPr>
+        </p:nvSpPr>
+        <p:spPr/>
+        <p:txBody>
+          <a:bodyPr/>
+          <a:lstStyle/>
+          <a:p>
+            <a:endParaRPr lang="en-US"/>
+          </a:p>
+        </p:txBody>
+      </p:sp>
+      <p:sp>
+        <p:nvSpPr>
+          <p:cNvPr id="3" name="Content Placeholder 2"/>
+          <p:cNvSpPr>
+            <a:spLocks noGrp="1"/>
+          </p:cNvSpPr>
+          <p:nvPr>
+            <p:ph idx="1"/>
+          </p:nvPr>
+        </p:nvSpPr>
+        <p:spPr/>
+        <p:txBody>
+          <a:bodyPr/>
+          <a:lstStyle/>
+          <a:p>
+            <a:endParaRPr lang="en-US"/>
+          </a:p>
+        </p:txBody>
+      </p:sp>
+    </p:spTree>
+    <p:extLst>
+      <p:ext uri="{BB962C8B-B14F-4D97-AF65-F5344CB8AC3E}">
+        <p14:creationId xmlns:p14="http://schemas.microsoft.com/office/powerpoint/2010/main" val="233890598"/>
+      </p:ext>
+    </p:extLst>
+  </p:cSld>
+  <p:clrMapOvr>
+    <a:masterClrMapping/>
+  </p:clrMapOvr>
+</p:sld>
+</file>
+
 <file path=ppt/theme/theme1.xml><?xml version="1.0" encoding="utf-8"?>
 <a:theme xmlns:a="http://schemas.openxmlformats.org/drawingml/2006/main" name="Office Theme">
   <a:themeElements>

--- a/lab practicals.pptx
+++ b/lab practicals.pptx
@@ -11,7 +11,8 @@
     <p:sldId id="259" r:id="rId5"/>
     <p:sldId id="260" r:id="rId6"/>
     <p:sldId id="262" r:id="rId7"/>
-    <p:sldId id="261" r:id="rId8"/>
+    <p:sldId id="263" r:id="rId8"/>
+    <p:sldId id="261" r:id="rId9"/>
   </p:sldIdLst>
   <p:sldSz cx="9144000" cy="6858000" type="screen4x3"/>
   <p:notesSz cx="6858000" cy="9144000"/>
@@ -249,7 +250,7 @@
           <a:p>
             <a:fld id="{8B60302E-30E2-D841-94D8-D5B4ABBB1556}" type="datetimeFigureOut">
               <a:rPr lang="en-US" smtClean="0"/>
-              <a:t>9/17/18</a:t>
+              <a:t>9/24/18</a:t>
             </a:fld>
             <a:endParaRPr lang="en-US"/>
           </a:p>
@@ -414,7 +415,7 @@
           <a:p>
             <a:fld id="{8B60302E-30E2-D841-94D8-D5B4ABBB1556}" type="datetimeFigureOut">
               <a:rPr lang="en-US" smtClean="0"/>
-              <a:t>9/17/18</a:t>
+              <a:t>9/24/18</a:t>
             </a:fld>
             <a:endParaRPr lang="en-US"/>
           </a:p>
@@ -589,7 +590,7 @@
           <a:p>
             <a:fld id="{8B60302E-30E2-D841-94D8-D5B4ABBB1556}" type="datetimeFigureOut">
               <a:rPr lang="en-US" smtClean="0"/>
-              <a:t>9/17/18</a:t>
+              <a:t>9/24/18</a:t>
             </a:fld>
             <a:endParaRPr lang="en-US"/>
           </a:p>
@@ -754,7 +755,7 @@
           <a:p>
             <a:fld id="{8B60302E-30E2-D841-94D8-D5B4ABBB1556}" type="datetimeFigureOut">
               <a:rPr lang="en-US" smtClean="0"/>
-              <a:t>9/17/18</a:t>
+              <a:t>9/24/18</a:t>
             </a:fld>
             <a:endParaRPr lang="en-US"/>
           </a:p>
@@ -993,7 +994,7 @@
           <a:p>
             <a:fld id="{8B60302E-30E2-D841-94D8-D5B4ABBB1556}" type="datetimeFigureOut">
               <a:rPr lang="en-US" smtClean="0"/>
-              <a:t>9/17/18</a:t>
+              <a:t>9/24/18</a:t>
             </a:fld>
             <a:endParaRPr lang="en-US"/>
           </a:p>
@@ -1220,7 +1221,7 @@
           <a:p>
             <a:fld id="{8B60302E-30E2-D841-94D8-D5B4ABBB1556}" type="datetimeFigureOut">
               <a:rPr lang="en-US" smtClean="0"/>
-              <a:t>9/17/18</a:t>
+              <a:t>9/24/18</a:t>
             </a:fld>
             <a:endParaRPr lang="en-US"/>
           </a:p>
@@ -1582,7 +1583,7 @@
           <a:p>
             <a:fld id="{8B60302E-30E2-D841-94D8-D5B4ABBB1556}" type="datetimeFigureOut">
               <a:rPr lang="en-US" smtClean="0"/>
-              <a:t>9/17/18</a:t>
+              <a:t>9/24/18</a:t>
             </a:fld>
             <a:endParaRPr lang="en-US"/>
           </a:p>
@@ -1695,7 +1696,7 @@
           <a:p>
             <a:fld id="{8B60302E-30E2-D841-94D8-D5B4ABBB1556}" type="datetimeFigureOut">
               <a:rPr lang="en-US" smtClean="0"/>
-              <a:t>9/17/18</a:t>
+              <a:t>9/24/18</a:t>
             </a:fld>
             <a:endParaRPr lang="en-US"/>
           </a:p>
@@ -1785,7 +1786,7 @@
           <a:p>
             <a:fld id="{8B60302E-30E2-D841-94D8-D5B4ABBB1556}" type="datetimeFigureOut">
               <a:rPr lang="en-US" smtClean="0"/>
-              <a:t>9/17/18</a:t>
+              <a:t>9/24/18</a:t>
             </a:fld>
             <a:endParaRPr lang="en-US"/>
           </a:p>
@@ -2057,7 +2058,7 @@
           <a:p>
             <a:fld id="{8B60302E-30E2-D841-94D8-D5B4ABBB1556}" type="datetimeFigureOut">
               <a:rPr lang="en-US" smtClean="0"/>
-              <a:t>9/17/18</a:t>
+              <a:t>9/24/18</a:t>
             </a:fld>
             <a:endParaRPr lang="en-US"/>
           </a:p>
@@ -2309,7 +2310,7 @@
           <a:p>
             <a:fld id="{8B60302E-30E2-D841-94D8-D5B4ABBB1556}" type="datetimeFigureOut">
               <a:rPr lang="en-US" smtClean="0"/>
-              <a:t>9/17/18</a:t>
+              <a:t>9/24/18</a:t>
             </a:fld>
             <a:endParaRPr lang="en-US"/>
           </a:p>
@@ -2517,7 +2518,7 @@
           <a:p>
             <a:fld id="{8B60302E-30E2-D841-94D8-D5B4ABBB1556}" type="datetimeFigureOut">
               <a:rPr lang="en-US" smtClean="0"/>
-              <a:t>9/17/18</a:t>
+              <a:t>9/24/18</a:t>
             </a:fld>
             <a:endParaRPr lang="en-US"/>
           </a:p>
@@ -4372,11 +4373,7 @@
             </a:r>
             <a:r>
               <a:rPr lang="en-US" dirty="0" smtClean="0"/>
-              <a:t> Sep 2018 </a:t>
-            </a:r>
-            <a:r>
-              <a:rPr lang="en-US" dirty="0" smtClean="0"/>
-              <a:t>DSUC Lab Practicals</a:t>
+              <a:t> Sep 2018 DSUC Lab Practicals</a:t>
             </a:r>
             <a:endParaRPr lang="en-US" dirty="0"/>
           </a:p>
@@ -4541,6 +4538,240 @@
 </file>
 
 <file path=ppt/slides/slide7.xml><?xml version="1.0" encoding="utf-8"?>
+<p:sld xmlns:a="http://schemas.openxmlformats.org/drawingml/2006/main" xmlns:r="http://schemas.openxmlformats.org/officeDocument/2006/relationships" xmlns:p="http://schemas.openxmlformats.org/presentationml/2006/main">
+  <p:cSld>
+    <p:spTree>
+      <p:nvGrpSpPr>
+        <p:cNvPr id="1" name=""/>
+        <p:cNvGrpSpPr/>
+        <p:nvPr/>
+      </p:nvGrpSpPr>
+      <p:grpSpPr>
+        <a:xfrm>
+          <a:off x="0" y="0"/>
+          <a:ext cx="0" cy="0"/>
+          <a:chOff x="0" y="0"/>
+          <a:chExt cx="0" cy="0"/>
+        </a:xfrm>
+      </p:grpSpPr>
+      <p:sp>
+        <p:nvSpPr>
+          <p:cNvPr id="2" name="Title 1"/>
+          <p:cNvSpPr>
+            <a:spLocks noGrp="1"/>
+          </p:cNvSpPr>
+          <p:nvPr>
+            <p:ph type="title"/>
+          </p:nvPr>
+        </p:nvSpPr>
+        <p:spPr/>
+        <p:txBody>
+          <a:bodyPr/>
+          <a:lstStyle/>
+          <a:p>
+            <a:r>
+              <a:rPr lang="en-US" dirty="0" smtClean="0"/>
+              <a:t>24</a:t>
+            </a:r>
+            <a:r>
+              <a:rPr lang="en-US" baseline="30000" dirty="0" smtClean="0"/>
+              <a:t>th</a:t>
+            </a:r>
+            <a:r>
+              <a:rPr lang="en-US" dirty="0" smtClean="0"/>
+              <a:t> </a:t>
+            </a:r>
+            <a:r>
+              <a:rPr lang="en-US" dirty="0" smtClean="0"/>
+              <a:t>Sep 2018 DSUC Lab Practicals</a:t>
+            </a:r>
+            <a:endParaRPr lang="en-US" dirty="0"/>
+          </a:p>
+        </p:txBody>
+      </p:sp>
+      <p:sp>
+        <p:nvSpPr>
+          <p:cNvPr id="3" name="Content Placeholder 2"/>
+          <p:cNvSpPr>
+            <a:spLocks noGrp="1"/>
+          </p:cNvSpPr>
+          <p:nvPr>
+            <p:ph idx="1"/>
+          </p:nvPr>
+        </p:nvSpPr>
+        <p:spPr>
+          <a:xfrm>
+            <a:off x="628650" y="1690689"/>
+            <a:ext cx="8123464" cy="5167311"/>
+          </a:xfrm>
+        </p:spPr>
+        <p:txBody>
+          <a:bodyPr>
+            <a:normAutofit/>
+          </a:bodyPr>
+          <a:lstStyle/>
+          <a:p>
+            <a:pPr marL="514350" indent="-514350" algn="just">
+              <a:buFont typeface="+mj-lt"/>
+              <a:buAutoNum type="arabicPeriod" startAt="15"/>
+            </a:pPr>
+            <a:r>
+              <a:rPr lang="en-US" dirty="0" smtClean="0"/>
+              <a:t>WAP to perform following operations on </a:t>
+            </a:r>
+            <a:r>
+              <a:rPr lang="en-US" b="1" dirty="0" smtClean="0"/>
+              <a:t>doubly linked </a:t>
+            </a:r>
+            <a:r>
+              <a:rPr lang="en-US" b="1" dirty="0" smtClean="0"/>
+              <a:t>list</a:t>
+            </a:r>
+            <a:r>
+              <a:rPr lang="en-US" dirty="0" smtClean="0"/>
+              <a:t>:</a:t>
+            </a:r>
+          </a:p>
+          <a:p>
+            <a:pPr marL="971550" lvl="1" indent="-514350" algn="just">
+              <a:buFont typeface="+mj-lt"/>
+              <a:buAutoNum type="alphaLcPeriod"/>
+            </a:pPr>
+            <a:r>
+              <a:rPr lang="en-US" dirty="0" smtClean="0"/>
+              <a:t>Insertion at beginning</a:t>
+            </a:r>
+          </a:p>
+          <a:p>
+            <a:pPr marL="971550" lvl="1" indent="-514350" algn="just">
+              <a:buFont typeface="+mj-lt"/>
+              <a:buAutoNum type="alphaLcPeriod"/>
+            </a:pPr>
+            <a:r>
+              <a:rPr lang="en-US" dirty="0" smtClean="0"/>
+              <a:t>Insertion at end</a:t>
+            </a:r>
+          </a:p>
+          <a:p>
+            <a:pPr marL="971550" lvl="1" indent="-514350" algn="just">
+              <a:buFont typeface="+mj-lt"/>
+              <a:buAutoNum type="alphaLcPeriod"/>
+            </a:pPr>
+            <a:r>
+              <a:rPr lang="en-US" dirty="0" smtClean="0"/>
+              <a:t>Insertion at given position</a:t>
+            </a:r>
+          </a:p>
+          <a:p>
+            <a:pPr marL="971550" lvl="1" indent="-514350" algn="just">
+              <a:buFont typeface="+mj-lt"/>
+              <a:buAutoNum type="alphaLcPeriod"/>
+            </a:pPr>
+            <a:r>
+              <a:rPr lang="en-US" dirty="0" smtClean="0"/>
+              <a:t>Deletion at beginning</a:t>
+            </a:r>
+          </a:p>
+          <a:p>
+            <a:pPr marL="971550" lvl="1" indent="-514350" algn="just">
+              <a:buFont typeface="+mj-lt"/>
+              <a:buAutoNum type="alphaLcPeriod"/>
+            </a:pPr>
+            <a:r>
+              <a:rPr lang="en-US" dirty="0" smtClean="0"/>
+              <a:t>Deletion at end</a:t>
+            </a:r>
+          </a:p>
+          <a:p>
+            <a:pPr marL="971550" lvl="1" indent="-514350" algn="just">
+              <a:buFont typeface="+mj-lt"/>
+              <a:buAutoNum type="alphaLcPeriod"/>
+            </a:pPr>
+            <a:r>
+              <a:rPr lang="en-US" dirty="0" smtClean="0"/>
+              <a:t>Deletion at given position</a:t>
+            </a:r>
+          </a:p>
+          <a:p>
+            <a:pPr marL="0" indent="0" algn="just">
+              <a:buNone/>
+            </a:pPr>
+            <a:r>
+              <a:rPr lang="en-US" dirty="0" smtClean="0"/>
+              <a:t>After each operation, display (traverse) the linked list. </a:t>
+            </a:r>
+          </a:p>
+          <a:p>
+            <a:pPr marL="0" indent="0" algn="just">
+              <a:lnSpc>
+                <a:spcPct val="100000"/>
+              </a:lnSpc>
+              <a:buNone/>
+            </a:pPr>
+            <a:r>
+              <a:rPr lang="en-US" sz="2600" b="1" dirty="0">
+                <a:solidFill>
+                  <a:schemeClr val="accent6">
+                    <a:lumMod val="75000"/>
+                  </a:schemeClr>
+                </a:solidFill>
+              </a:rPr>
+              <a:t>Hint: </a:t>
+            </a:r>
+            <a:r>
+              <a:rPr lang="en-US" sz="2600" dirty="0">
+                <a:solidFill>
+                  <a:schemeClr val="accent6">
+                    <a:lumMod val="75000"/>
+                  </a:schemeClr>
+                </a:solidFill>
+              </a:rPr>
+              <a:t>Test your program after </a:t>
+            </a:r>
+            <a:r>
+              <a:rPr lang="en-US" sz="2600" dirty="0" smtClean="0">
+                <a:solidFill>
+                  <a:schemeClr val="accent6">
+                    <a:lumMod val="75000"/>
+                  </a:schemeClr>
+                </a:solidFill>
+              </a:rPr>
+              <a:t>writing each function (corresponding to part a to f) before </a:t>
+            </a:r>
+            <a:r>
+              <a:rPr lang="en-US" sz="2600" dirty="0">
+                <a:solidFill>
+                  <a:schemeClr val="accent6">
+                    <a:lumMod val="75000"/>
+                  </a:schemeClr>
+                </a:solidFill>
+              </a:rPr>
+              <a:t>coding the next operation</a:t>
+            </a:r>
+          </a:p>
+          <a:p>
+            <a:pPr marL="971550" lvl="1" indent="-514350" algn="just">
+              <a:buFont typeface="+mj-lt"/>
+              <a:buAutoNum type="alphaLcPeriod"/>
+            </a:pPr>
+            <a:endParaRPr lang="en-US" dirty="0"/>
+          </a:p>
+        </p:txBody>
+      </p:sp>
+    </p:spTree>
+    <p:extLst>
+      <p:ext uri="{BB962C8B-B14F-4D97-AF65-F5344CB8AC3E}">
+        <p14:creationId xmlns:p14="http://schemas.microsoft.com/office/powerpoint/2010/main" val="1196350696"/>
+      </p:ext>
+    </p:extLst>
+  </p:cSld>
+  <p:clrMapOvr>
+    <a:masterClrMapping/>
+  </p:clrMapOvr>
+</p:sld>
+</file>
+
+<file path=ppt/slides/slide8.xml><?xml version="1.0" encoding="utf-8"?>
 <p:sld xmlns:a="http://schemas.openxmlformats.org/drawingml/2006/main" xmlns:r="http://schemas.openxmlformats.org/officeDocument/2006/relationships" xmlns:p="http://schemas.openxmlformats.org/presentationml/2006/main">
   <p:cSld>
     <p:spTree>

--- a/lab practicals.pptx
+++ b/lab practicals.pptx
@@ -4579,11 +4579,7 @@
             </a:r>
             <a:r>
               <a:rPr lang="en-US" dirty="0" smtClean="0"/>
-              <a:t> </a:t>
-            </a:r>
-            <a:r>
-              <a:rPr lang="en-US" dirty="0" smtClean="0"/>
-              <a:t>Sep 2018 DSUC Lab Practicals</a:t>
+              <a:t> Sep 2018 DSUC Lab Practicals</a:t>
             </a:r>
             <a:endParaRPr lang="en-US" dirty="0"/>
           </a:p>
@@ -4613,7 +4609,7 @@
           <a:p>
             <a:pPr marL="514350" indent="-514350" algn="just">
               <a:buFont typeface="+mj-lt"/>
-              <a:buAutoNum type="arabicPeriod" startAt="15"/>
+              <a:buAutoNum type="arabicPeriod" startAt="16"/>
             </a:pPr>
             <a:r>
               <a:rPr lang="en-US" dirty="0" smtClean="0"/>
@@ -4621,11 +4617,7 @@
             </a:r>
             <a:r>
               <a:rPr lang="en-US" b="1" dirty="0" smtClean="0"/>
-              <a:t>doubly linked </a:t>
-            </a:r>
-            <a:r>
-              <a:rPr lang="en-US" b="1" dirty="0" smtClean="0"/>
-              <a:t>list</a:t>
+              <a:t>doubly linked list</a:t>
             </a:r>
             <a:r>
               <a:rPr lang="en-US" dirty="0" smtClean="0"/>
@@ -4663,42 +4655,22 @@
             </a:r>
           </a:p>
           <a:p>
-            <a:pPr marL="971550" lvl="1" indent="-514350" algn="just">
-              <a:buFont typeface="+mj-lt"/>
-              <a:buAutoNum type="alphaLcPeriod"/>
+            <a:pPr marL="0" indent="0" algn="just">
+              <a:buNone/>
             </a:pPr>
+            <a:endParaRPr lang="en-US" dirty="0" smtClean="0"/>
+          </a:p>
+          <a:p>
+            <a:pPr marL="0" indent="0" algn="just">
+              <a:buNone/>
+            </a:pPr>
             <a:r>
               <a:rPr lang="en-US" dirty="0" smtClean="0"/>
-              <a:t>Deletion at beginning</a:t>
-            </a:r>
-          </a:p>
-          <a:p>
-            <a:pPr marL="971550" lvl="1" indent="-514350" algn="just">
-              <a:buFont typeface="+mj-lt"/>
-              <a:buAutoNum type="alphaLcPeriod"/>
-            </a:pPr>
+              <a:t>After </a:t>
+            </a:r>
             <a:r>
               <a:rPr lang="en-US" dirty="0" smtClean="0"/>
-              <a:t>Deletion at end</a:t>
-            </a:r>
-          </a:p>
-          <a:p>
-            <a:pPr marL="971550" lvl="1" indent="-514350" algn="just">
-              <a:buFont typeface="+mj-lt"/>
-              <a:buAutoNum type="alphaLcPeriod"/>
-            </a:pPr>
-            <a:r>
-              <a:rPr lang="en-US" dirty="0" smtClean="0"/>
-              <a:t>Deletion at given position</a:t>
-            </a:r>
-          </a:p>
-          <a:p>
-            <a:pPr marL="0" indent="0" algn="just">
-              <a:buNone/>
-            </a:pPr>
-            <a:r>
-              <a:rPr lang="en-US" dirty="0" smtClean="0"/>
-              <a:t>After each operation, display (traverse) the linked list. </a:t>
+              <a:t>each operation, display (traverse) the linked list. </a:t>
             </a:r>
           </a:p>
           <a:p>

--- a/lab practicals.pptx
+++ b/lab practicals.pptx
@@ -12,7 +12,9 @@
     <p:sldId id="260" r:id="rId6"/>
     <p:sldId id="262" r:id="rId7"/>
     <p:sldId id="263" r:id="rId8"/>
-    <p:sldId id="261" r:id="rId9"/>
+    <p:sldId id="265" r:id="rId9"/>
+    <p:sldId id="264" r:id="rId10"/>
+    <p:sldId id="261" r:id="rId11"/>
   </p:sldIdLst>
   <p:sldSz cx="9144000" cy="6858000" type="screen4x3"/>
   <p:notesSz cx="6858000" cy="9144000"/>
@@ -250,7 +252,7 @@
           <a:p>
             <a:fld id="{8B60302E-30E2-D841-94D8-D5B4ABBB1556}" type="datetimeFigureOut">
               <a:rPr lang="en-US" smtClean="0"/>
-              <a:t>9/24/18</a:t>
+              <a:t>10/13/18</a:t>
             </a:fld>
             <a:endParaRPr lang="en-US"/>
           </a:p>
@@ -415,7 +417,7 @@
           <a:p>
             <a:fld id="{8B60302E-30E2-D841-94D8-D5B4ABBB1556}" type="datetimeFigureOut">
               <a:rPr lang="en-US" smtClean="0"/>
-              <a:t>9/24/18</a:t>
+              <a:t>10/13/18</a:t>
             </a:fld>
             <a:endParaRPr lang="en-US"/>
           </a:p>
@@ -590,7 +592,7 @@
           <a:p>
             <a:fld id="{8B60302E-30E2-D841-94D8-D5B4ABBB1556}" type="datetimeFigureOut">
               <a:rPr lang="en-US" smtClean="0"/>
-              <a:t>9/24/18</a:t>
+              <a:t>10/13/18</a:t>
             </a:fld>
             <a:endParaRPr lang="en-US"/>
           </a:p>
@@ -755,7 +757,7 @@
           <a:p>
             <a:fld id="{8B60302E-30E2-D841-94D8-D5B4ABBB1556}" type="datetimeFigureOut">
               <a:rPr lang="en-US" smtClean="0"/>
-              <a:t>9/24/18</a:t>
+              <a:t>10/13/18</a:t>
             </a:fld>
             <a:endParaRPr lang="en-US"/>
           </a:p>
@@ -994,7 +996,7 @@
           <a:p>
             <a:fld id="{8B60302E-30E2-D841-94D8-D5B4ABBB1556}" type="datetimeFigureOut">
               <a:rPr lang="en-US" smtClean="0"/>
-              <a:t>9/24/18</a:t>
+              <a:t>10/13/18</a:t>
             </a:fld>
             <a:endParaRPr lang="en-US"/>
           </a:p>
@@ -1221,7 +1223,7 @@
           <a:p>
             <a:fld id="{8B60302E-30E2-D841-94D8-D5B4ABBB1556}" type="datetimeFigureOut">
               <a:rPr lang="en-US" smtClean="0"/>
-              <a:t>9/24/18</a:t>
+              <a:t>10/13/18</a:t>
             </a:fld>
             <a:endParaRPr lang="en-US"/>
           </a:p>
@@ -1583,7 +1585,7 @@
           <a:p>
             <a:fld id="{8B60302E-30E2-D841-94D8-D5B4ABBB1556}" type="datetimeFigureOut">
               <a:rPr lang="en-US" smtClean="0"/>
-              <a:t>9/24/18</a:t>
+              <a:t>10/13/18</a:t>
             </a:fld>
             <a:endParaRPr lang="en-US"/>
           </a:p>
@@ -1696,7 +1698,7 @@
           <a:p>
             <a:fld id="{8B60302E-30E2-D841-94D8-D5B4ABBB1556}" type="datetimeFigureOut">
               <a:rPr lang="en-US" smtClean="0"/>
-              <a:t>9/24/18</a:t>
+              <a:t>10/13/18</a:t>
             </a:fld>
             <a:endParaRPr lang="en-US"/>
           </a:p>
@@ -1786,7 +1788,7 @@
           <a:p>
             <a:fld id="{8B60302E-30E2-D841-94D8-D5B4ABBB1556}" type="datetimeFigureOut">
               <a:rPr lang="en-US" smtClean="0"/>
-              <a:t>9/24/18</a:t>
+              <a:t>10/13/18</a:t>
             </a:fld>
             <a:endParaRPr lang="en-US"/>
           </a:p>
@@ -2058,7 +2060,7 @@
           <a:p>
             <a:fld id="{8B60302E-30E2-D841-94D8-D5B4ABBB1556}" type="datetimeFigureOut">
               <a:rPr lang="en-US" smtClean="0"/>
-              <a:t>9/24/18</a:t>
+              <a:t>10/13/18</a:t>
             </a:fld>
             <a:endParaRPr lang="en-US"/>
           </a:p>
@@ -2310,7 +2312,7 @@
           <a:p>
             <a:fld id="{8B60302E-30E2-D841-94D8-D5B4ABBB1556}" type="datetimeFigureOut">
               <a:rPr lang="en-US" smtClean="0"/>
-              <a:t>9/24/18</a:t>
+              <a:t>10/13/18</a:t>
             </a:fld>
             <a:endParaRPr lang="en-US"/>
           </a:p>
@@ -2518,7 +2520,7 @@
           <a:p>
             <a:fld id="{8B60302E-30E2-D841-94D8-D5B4ABBB1556}" type="datetimeFigureOut">
               <a:rPr lang="en-US" smtClean="0"/>
-              <a:t>9/24/18</a:t>
+              <a:t>10/13/18</a:t>
             </a:fld>
             <a:endParaRPr lang="en-US"/>
           </a:p>
@@ -2975,6 +2977,81 @@
   <p:clrMapOvr>
     <a:masterClrMapping/>
   </p:clrMapOvr>
+</p:sld>
+</file>
+
+<file path=ppt/slides/slide10.xml><?xml version="1.0" encoding="utf-8"?>
+<p:sld xmlns:a="http://schemas.openxmlformats.org/drawingml/2006/main" xmlns:r="http://schemas.openxmlformats.org/officeDocument/2006/relationships" xmlns:p="http://schemas.openxmlformats.org/presentationml/2006/main">
+  <p:cSld>
+    <p:spTree>
+      <p:nvGrpSpPr>
+        <p:cNvPr id="1" name=""/>
+        <p:cNvGrpSpPr/>
+        <p:nvPr/>
+      </p:nvGrpSpPr>
+      <p:grpSpPr>
+        <a:xfrm>
+          <a:off x="0" y="0"/>
+          <a:ext cx="0" cy="0"/>
+          <a:chOff x="0" y="0"/>
+          <a:chExt cx="0" cy="0"/>
+        </a:xfrm>
+      </p:grpSpPr>
+      <p:sp>
+        <p:nvSpPr>
+          <p:cNvPr id="2" name="Title 1"/>
+          <p:cNvSpPr>
+            <a:spLocks noGrp="1"/>
+          </p:cNvSpPr>
+          <p:nvPr>
+            <p:ph type="title"/>
+          </p:nvPr>
+        </p:nvSpPr>
+        <p:spPr/>
+        <p:txBody>
+          <a:bodyPr/>
+          <a:lstStyle/>
+          <a:p>
+            <a:endParaRPr lang="en-US"/>
+          </a:p>
+        </p:txBody>
+      </p:sp>
+      <p:sp>
+        <p:nvSpPr>
+          <p:cNvPr id="3" name="Content Placeholder 2"/>
+          <p:cNvSpPr>
+            <a:spLocks noGrp="1"/>
+          </p:cNvSpPr>
+          <p:nvPr>
+            <p:ph idx="1"/>
+          </p:nvPr>
+        </p:nvSpPr>
+        <p:spPr/>
+        <p:txBody>
+          <a:bodyPr/>
+          <a:lstStyle/>
+          <a:p>
+            <a:endParaRPr lang="en-US"/>
+          </a:p>
+        </p:txBody>
+      </p:sp>
+    </p:spTree>
+    <p:extLst>
+      <p:ext uri="{BB962C8B-B14F-4D97-AF65-F5344CB8AC3E}">
+        <p14:creationId xmlns:p14="http://schemas.microsoft.com/office/powerpoint/2010/main" val="233890598"/>
+      </p:ext>
+    </p:extLst>
+  </p:cSld>
+  <p:clrMapOvr>
+    <a:masterClrMapping/>
+  </p:clrMapOvr>
+  <p:timing>
+    <p:tnLst>
+      <p:par>
+        <p:cTn id="1" dur="indefinite" restart="never" nodeType="tmRoot"/>
+      </p:par>
+    </p:tnLst>
+  </p:timing>
 </p:sld>
 </file>
 
@@ -4666,11 +4743,7 @@
             </a:pPr>
             <a:r>
               <a:rPr lang="en-US" dirty="0" smtClean="0"/>
-              <a:t>After </a:t>
-            </a:r>
-            <a:r>
-              <a:rPr lang="en-US" dirty="0" smtClean="0"/>
-              <a:t>each operation, display (traverse) the linked list. </a:t>
+              <a:t>After each operation, display (traverse) the linked list. </a:t>
             </a:r>
           </a:p>
           <a:p>
@@ -4708,7 +4781,7 @@
                   </a:schemeClr>
                 </a:solidFill>
               </a:rPr>
-              <a:t>writing each function (corresponding to part a to f) before </a:t>
+              <a:t>writing each function (corresponding to part a to c) before </a:t>
             </a:r>
             <a:r>
               <a:rPr lang="en-US" sz="2600" dirty="0">
@@ -4740,6 +4813,13 @@
   <p:clrMapOvr>
     <a:masterClrMapping/>
   </p:clrMapOvr>
+  <p:timing>
+    <p:tnLst>
+      <p:par>
+        <p:cTn id="1" dur="indefinite" restart="never" nodeType="tmRoot"/>
+      </p:par>
+    </p:tnLst>
+  </p:timing>
 </p:sld>
 </file>
 
@@ -4775,7 +4855,23 @@
           <a:bodyPr/>
           <a:lstStyle/>
           <a:p>
-            <a:endParaRPr lang="en-US"/>
+            <a:r>
+              <a:rPr lang="en-US" dirty="0" smtClean="0"/>
+              <a:t>13</a:t>
+            </a:r>
+            <a:r>
+              <a:rPr lang="en-US" baseline="30000" dirty="0" smtClean="0"/>
+              <a:t>th</a:t>
+            </a:r>
+            <a:r>
+              <a:rPr lang="en-US" dirty="0" smtClean="0"/>
+              <a:t> Oct 2018 </a:t>
+            </a:r>
+            <a:r>
+              <a:rPr lang="en-US" dirty="0" smtClean="0"/>
+              <a:t>DSUC Lab Practicals</a:t>
+            </a:r>
+            <a:endParaRPr lang="en-US" dirty="0"/>
           </a:p>
         </p:txBody>
       </p:sp>
@@ -4789,19 +4885,137 @@
             <p:ph idx="1"/>
           </p:nvPr>
         </p:nvSpPr>
-        <p:spPr/>
-        <p:txBody>
-          <a:bodyPr/>
-          <a:lstStyle/>
-          <a:p>
-            <a:endParaRPr lang="en-US"/>
+        <p:spPr>
+          <a:xfrm>
+            <a:off x="628650" y="1690689"/>
+            <a:ext cx="8123464" cy="5167311"/>
+          </a:xfrm>
+        </p:spPr>
+        <p:txBody>
+          <a:bodyPr>
+            <a:normAutofit/>
+          </a:bodyPr>
+          <a:lstStyle/>
+          <a:p>
+            <a:pPr marL="514350" indent="-514350" algn="just">
+              <a:buFont typeface="+mj-lt"/>
+              <a:buAutoNum type="arabicPeriod" startAt="17"/>
+            </a:pPr>
+            <a:r>
+              <a:rPr lang="en-US" dirty="0" smtClean="0"/>
+              <a:t>WAP </a:t>
+            </a:r>
+            <a:r>
+              <a:rPr lang="en-US" dirty="0" smtClean="0"/>
+              <a:t>to implement stack using arrays</a:t>
+            </a:r>
+          </a:p>
+          <a:p>
+            <a:pPr marL="514350" indent="-514350" algn="just">
+              <a:buFont typeface="+mj-lt"/>
+              <a:buAutoNum type="arabicPeriod" startAt="17"/>
+            </a:pPr>
+            <a:r>
+              <a:rPr lang="en-US" dirty="0" smtClean="0"/>
+              <a:t>WAP to implement stack using linked list</a:t>
+            </a:r>
+          </a:p>
+          <a:p>
+            <a:pPr marL="514350" indent="-514350" algn="just">
+              <a:buFont typeface="+mj-lt"/>
+              <a:buAutoNum type="arabicPeriod" startAt="17"/>
+            </a:pPr>
+            <a:r>
+              <a:rPr lang="en-US" dirty="0" smtClean="0"/>
+              <a:t>WAP to </a:t>
+            </a:r>
+            <a:r>
+              <a:rPr lang="en-US" smtClean="0"/>
+              <a:t>implement queue using arrays.</a:t>
+            </a:r>
+            <a:endParaRPr lang="en-US" dirty="0" smtClean="0"/>
           </a:p>
         </p:txBody>
       </p:sp>
     </p:spTree>
     <p:extLst>
       <p:ext uri="{BB962C8B-B14F-4D97-AF65-F5344CB8AC3E}">
-        <p14:creationId xmlns:p14="http://schemas.microsoft.com/office/powerpoint/2010/main" val="233890598"/>
+        <p14:creationId xmlns:p14="http://schemas.microsoft.com/office/powerpoint/2010/main" val="1418085773"/>
+      </p:ext>
+    </p:extLst>
+  </p:cSld>
+  <p:clrMapOvr>
+    <a:masterClrMapping/>
+  </p:clrMapOvr>
+  <p:timing>
+    <p:tnLst>
+      <p:par>
+        <p:cTn id="1" dur="indefinite" restart="never" nodeType="tmRoot"/>
+      </p:par>
+    </p:tnLst>
+  </p:timing>
+</p:sld>
+</file>
+
+<file path=ppt/slides/slide9.xml><?xml version="1.0" encoding="utf-8"?>
+<p:sld xmlns:a="http://schemas.openxmlformats.org/drawingml/2006/main" xmlns:r="http://schemas.openxmlformats.org/officeDocument/2006/relationships" xmlns:p="http://schemas.openxmlformats.org/presentationml/2006/main">
+  <p:cSld>
+    <p:spTree>
+      <p:nvGrpSpPr>
+        <p:cNvPr id="1" name=""/>
+        <p:cNvGrpSpPr/>
+        <p:nvPr/>
+      </p:nvGrpSpPr>
+      <p:grpSpPr>
+        <a:xfrm>
+          <a:off x="0" y="0"/>
+          <a:ext cx="0" cy="0"/>
+          <a:chOff x="0" y="0"/>
+          <a:chExt cx="0" cy="0"/>
+        </a:xfrm>
+      </p:grpSpPr>
+      <p:sp>
+        <p:nvSpPr>
+          <p:cNvPr id="2" name="Title 1"/>
+          <p:cNvSpPr>
+            <a:spLocks noGrp="1"/>
+          </p:cNvSpPr>
+          <p:nvPr>
+            <p:ph type="title"/>
+          </p:nvPr>
+        </p:nvSpPr>
+        <p:spPr/>
+        <p:txBody>
+          <a:bodyPr/>
+          <a:lstStyle/>
+          <a:p>
+            <a:endParaRPr lang="en-US" dirty="0"/>
+          </a:p>
+        </p:txBody>
+      </p:sp>
+      <p:sp>
+        <p:nvSpPr>
+          <p:cNvPr id="3" name="Content Placeholder 2"/>
+          <p:cNvSpPr>
+            <a:spLocks noGrp="1"/>
+          </p:cNvSpPr>
+          <p:nvPr>
+            <p:ph idx="1"/>
+          </p:nvPr>
+        </p:nvSpPr>
+        <p:spPr/>
+        <p:txBody>
+          <a:bodyPr/>
+          <a:lstStyle/>
+          <a:p>
+            <a:endParaRPr lang="en-US"/>
+          </a:p>
+        </p:txBody>
+      </p:sp>
+    </p:spTree>
+    <p:extLst>
+      <p:ext uri="{BB962C8B-B14F-4D97-AF65-F5344CB8AC3E}">
+        <p14:creationId xmlns:p14="http://schemas.microsoft.com/office/powerpoint/2010/main" val="649841264"/>
       </p:ext>
     </p:extLst>
   </p:cSld>
